--- a/poster.pptx
+++ b/poster.pptx
@@ -1012,25 +1012,6 @@
         <a:bodyPr/>
         <a:lstStyle/>
         <a:p>
-          <a:pPr marL="0" lvl="0" algn="ctr" defTabSz="622300">
-            <a:lnSpc>
-              <a:spcPct val="90000"/>
-            </a:lnSpc>
-            <a:spcBef>
-              <a:spcPct val="0"/>
-            </a:spcBef>
-            <a:spcAft>
-              <a:spcPct val="35000"/>
-            </a:spcAft>
-            <a:buNone/>
-          </a:pPr>
-          <a:endParaRPr lang="en-US" sz="1400" b="0" i="0" kern="1200" dirty="0">
-            <a:latin typeface="Lato Semibold" panose="020F0502020204030203" pitchFamily="34" charset="0"/>
-            <a:ea typeface="Lato Semibold" panose="020F0502020204030203" pitchFamily="34" charset="0"/>
-            <a:cs typeface="Lato Semibold" panose="020F0502020204030203" pitchFamily="34" charset="0"/>
-          </a:endParaRPr>
-        </a:p>
-        <a:p>
           <a:pPr marL="0" lvl="0" indent="0" algn="ctr" defTabSz="755650">
             <a:lnSpc>
               <a:spcPct val="90000"/>
@@ -1044,7 +1025,7 @@
             <a:buNone/>
           </a:pPr>
           <a:r>
-            <a:rPr lang="en-US" sz="1700" b="1" i="0" kern="1200" dirty="0">
+            <a:rPr lang="en-GB" sz="1700" b="1" i="0" kern="1200" dirty="0">
               <a:solidFill>
                 <a:prstClr val="white"/>
               </a:solidFill>
@@ -1052,30 +1033,30 @@
               <a:ea typeface="Lato Semibold" panose="020F0502020204030203" pitchFamily="34" charset="0"/>
               <a:cs typeface="Lato Semibold" panose="020F0502020204030203" pitchFamily="34" charset="0"/>
             </a:rPr>
-            <a:t>Develop a Lagrangian physics‐based model for simulating the movement of surface marine debris, employing historical SSC data.</a:t>
+            <a:t>Using historical SSC data, develop a physics-based </a:t>
           </a:r>
-          <a:endParaRPr lang="en-GB" sz="1700" b="1" i="0" kern="1200" dirty="0">
-            <a:solidFill>
-              <a:prstClr val="white"/>
-            </a:solidFill>
-            <a:latin typeface="Lato Semibold" panose="020F0502020204030203" pitchFamily="34" charset="0"/>
-            <a:ea typeface="Lato Semibold" panose="020F0502020204030203" pitchFamily="34" charset="0"/>
-            <a:cs typeface="Lato Semibold" panose="020F0502020204030203" pitchFamily="34" charset="0"/>
-          </a:endParaRPr>
-        </a:p>
-        <a:p>
-          <a:pPr marL="0" lvl="0" algn="ctr" defTabSz="622300">
-            <a:lnSpc>
-              <a:spcPct val="90000"/>
-            </a:lnSpc>
-            <a:spcBef>
-              <a:spcPct val="0"/>
-            </a:spcBef>
-            <a:spcAft>
-              <a:spcPct val="35000"/>
-            </a:spcAft>
-            <a:buNone/>
-          </a:pPr>
+          <a:r>
+            <a:rPr lang="en-GB" sz="1700" b="1" i="0" kern="1200" dirty="0" err="1">
+              <a:solidFill>
+                <a:prstClr val="white"/>
+              </a:solidFill>
+              <a:latin typeface="Lato Semibold" panose="020F0502020204030203" pitchFamily="34" charset="0"/>
+              <a:ea typeface="Lato Semibold" panose="020F0502020204030203" pitchFamily="34" charset="0"/>
+              <a:cs typeface="Lato Semibold" panose="020F0502020204030203" pitchFamily="34" charset="0"/>
+            </a:rPr>
+            <a:t>Lagrangian</a:t>
+          </a:r>
+          <a:r>
+            <a:rPr lang="en-GB" sz="1700" b="1" i="0" kern="1200" dirty="0">
+              <a:solidFill>
+                <a:prstClr val="white"/>
+              </a:solidFill>
+              <a:latin typeface="Lato Semibold" panose="020F0502020204030203" pitchFamily="34" charset="0"/>
+              <a:ea typeface="Lato Semibold" panose="020F0502020204030203" pitchFamily="34" charset="0"/>
+              <a:cs typeface="Lato Semibold" panose="020F0502020204030203" pitchFamily="34" charset="0"/>
+            </a:rPr>
+            <a:t> model to simulate the movement of surface marine debris.</a:t>
+          </a:r>
           <a:endParaRPr lang="en-US" sz="1600" b="1" i="0" kern="1200" dirty="0">
             <a:latin typeface="Lato Semibold" panose="020F0502020204030203" pitchFamily="34" charset="0"/>
             <a:ea typeface="Lato Semibold" panose="020F0502020204030203" pitchFamily="34" charset="0"/>
@@ -1443,8 +1424,8 @@
       </dsp:nvSpPr>
       <dsp:spPr>
         <a:xfrm>
-          <a:off x="15300" y="0"/>
-          <a:ext cx="2277056" cy="2395144"/>
+          <a:off x="15300" y="16338"/>
+          <a:ext cx="2277056" cy="2362466"/>
         </a:xfrm>
         <a:prstGeom prst="roundRect">
           <a:avLst>
@@ -1517,8 +1498,8 @@
         </a:p>
       </dsp:txBody>
       <dsp:txXfrm>
-        <a:off x="81993" y="66693"/>
-        <a:ext cx="2143670" cy="2261758"/>
+        <a:off x="81993" y="83031"/>
+        <a:ext cx="2143670" cy="2229080"/>
       </dsp:txXfrm>
     </dsp:sp>
     <dsp:sp modelId="{37F2F95F-94C5-0345-A1A8-52C1A829AD93}">
@@ -1596,8 +1577,8 @@
       </dsp:nvSpPr>
       <dsp:spPr>
         <a:xfrm>
-          <a:off x="3025974" y="0"/>
-          <a:ext cx="2277056" cy="2395144"/>
+          <a:off x="3025974" y="16338"/>
+          <a:ext cx="2277056" cy="2362466"/>
         </a:xfrm>
         <a:prstGeom prst="roundRect">
           <a:avLst>
@@ -1639,29 +1620,10 @@
         </a:fontRef>
       </dsp:style>
       <dsp:txBody>
-        <a:bodyPr spcFirstLastPara="0" vert="horz" wrap="square" lIns="53340" tIns="53340" rIns="53340" bIns="53340" numCol="1" spcCol="1270" anchor="ctr" anchorCtr="0">
+        <a:bodyPr spcFirstLastPara="0" vert="horz" wrap="square" lIns="64770" tIns="64770" rIns="64770" bIns="64770" numCol="1" spcCol="1270" anchor="ctr" anchorCtr="0">
           <a:noAutofit/>
         </a:bodyPr>
         <a:lstStyle/>
-        <a:p>
-          <a:pPr marL="0" lvl="0" algn="ctr" defTabSz="622300">
-            <a:lnSpc>
-              <a:spcPct val="90000"/>
-            </a:lnSpc>
-            <a:spcBef>
-              <a:spcPct val="0"/>
-            </a:spcBef>
-            <a:spcAft>
-              <a:spcPct val="35000"/>
-            </a:spcAft>
-            <a:buNone/>
-          </a:pPr>
-          <a:endParaRPr lang="en-US" sz="1400" b="0" i="0" kern="1200" dirty="0">
-            <a:latin typeface="Lato Semibold" panose="020F0502020204030203" pitchFamily="34" charset="0"/>
-            <a:ea typeface="Lato Semibold" panose="020F0502020204030203" pitchFamily="34" charset="0"/>
-            <a:cs typeface="Lato Semibold" panose="020F0502020204030203" pitchFamily="34" charset="0"/>
-          </a:endParaRPr>
-        </a:p>
         <a:p>
           <a:pPr marL="0" lvl="0" indent="0" algn="ctr" defTabSz="755650">
             <a:lnSpc>
@@ -1676,7 +1638,7 @@
             <a:buNone/>
           </a:pPr>
           <a:r>
-            <a:rPr lang="en-US" sz="1700" b="1" i="0" kern="1200" dirty="0">
+            <a:rPr lang="en-GB" sz="1700" b="1" i="0" kern="1200" dirty="0">
               <a:solidFill>
                 <a:prstClr val="white"/>
               </a:solidFill>
@@ -1684,30 +1646,30 @@
               <a:ea typeface="Lato Semibold" panose="020F0502020204030203" pitchFamily="34" charset="0"/>
               <a:cs typeface="Lato Semibold" panose="020F0502020204030203" pitchFamily="34" charset="0"/>
             </a:rPr>
-            <a:t>Develop a Lagrangian physics‐based model for simulating the movement of surface marine debris, employing historical SSC data.</a:t>
+            <a:t>Using historical SSC data, develop a physics-based </a:t>
           </a:r>
-          <a:endParaRPr lang="en-GB" sz="1700" b="1" i="0" kern="1200" dirty="0">
-            <a:solidFill>
-              <a:prstClr val="white"/>
-            </a:solidFill>
-            <a:latin typeface="Lato Semibold" panose="020F0502020204030203" pitchFamily="34" charset="0"/>
-            <a:ea typeface="Lato Semibold" panose="020F0502020204030203" pitchFamily="34" charset="0"/>
-            <a:cs typeface="Lato Semibold" panose="020F0502020204030203" pitchFamily="34" charset="0"/>
-          </a:endParaRPr>
-        </a:p>
-        <a:p>
-          <a:pPr marL="0" lvl="0" algn="ctr" defTabSz="622300">
-            <a:lnSpc>
-              <a:spcPct val="90000"/>
-            </a:lnSpc>
-            <a:spcBef>
-              <a:spcPct val="0"/>
-            </a:spcBef>
-            <a:spcAft>
-              <a:spcPct val="35000"/>
-            </a:spcAft>
-            <a:buNone/>
-          </a:pPr>
+          <a:r>
+            <a:rPr lang="en-GB" sz="1700" b="1" i="0" kern="1200" dirty="0" err="1">
+              <a:solidFill>
+                <a:prstClr val="white"/>
+              </a:solidFill>
+              <a:latin typeface="Lato Semibold" panose="020F0502020204030203" pitchFamily="34" charset="0"/>
+              <a:ea typeface="Lato Semibold" panose="020F0502020204030203" pitchFamily="34" charset="0"/>
+              <a:cs typeface="Lato Semibold" panose="020F0502020204030203" pitchFamily="34" charset="0"/>
+            </a:rPr>
+            <a:t>Lagrangian</a:t>
+          </a:r>
+          <a:r>
+            <a:rPr lang="en-GB" sz="1700" b="1" i="0" kern="1200" dirty="0">
+              <a:solidFill>
+                <a:prstClr val="white"/>
+              </a:solidFill>
+              <a:latin typeface="Lato Semibold" panose="020F0502020204030203" pitchFamily="34" charset="0"/>
+              <a:ea typeface="Lato Semibold" panose="020F0502020204030203" pitchFamily="34" charset="0"/>
+              <a:cs typeface="Lato Semibold" panose="020F0502020204030203" pitchFamily="34" charset="0"/>
+            </a:rPr>
+            <a:t> model to simulate the movement of surface marine debris.</a:t>
+          </a:r>
           <a:endParaRPr lang="en-US" sz="1600" b="1" i="0" kern="1200" dirty="0">
             <a:latin typeface="Lato Semibold" panose="020F0502020204030203" pitchFamily="34" charset="0"/>
             <a:ea typeface="Lato Semibold" panose="020F0502020204030203" pitchFamily="34" charset="0"/>
@@ -1716,8 +1678,8 @@
         </a:p>
       </dsp:txBody>
       <dsp:txXfrm>
-        <a:off x="3092667" y="66693"/>
-        <a:ext cx="2143670" cy="2261758"/>
+        <a:off x="3092667" y="83031"/>
+        <a:ext cx="2143670" cy="2229080"/>
       </dsp:txXfrm>
     </dsp:sp>
     <dsp:sp modelId="{780D96DD-8898-4CE7-9756-2105CD045623}">
@@ -1726,9 +1688,9 @@
         <dsp:cNvSpPr/>
       </dsp:nvSpPr>
       <dsp:spPr>
-        <a:xfrm>
-          <a:off x="5486719" y="970150"/>
-          <a:ext cx="389419" cy="454842"/>
+        <a:xfrm rot="18649">
+          <a:off x="5486717" y="978379"/>
+          <a:ext cx="389425" cy="454842"/>
         </a:xfrm>
         <a:prstGeom prst="rightArrow">
           <a:avLst>
@@ -1780,8 +1742,8 @@
         </a:p>
       </dsp:txBody>
       <dsp:txXfrm>
-        <a:off x="5486719" y="1061118"/>
-        <a:ext cx="272593" cy="272906"/>
+        <a:off x="5486718" y="1069030"/>
+        <a:ext cx="272598" cy="272906"/>
       </dsp:txXfrm>
     </dsp:sp>
     <dsp:sp modelId="{0CA5BB79-A45D-4E53-A50B-E331652A5479}">
@@ -1791,8 +1753,8 @@
       </dsp:nvSpPr>
       <dsp:spPr>
         <a:xfrm>
-          <a:off x="6037785" y="0"/>
-          <a:ext cx="2277056" cy="2395144"/>
+          <a:off x="6037785" y="32677"/>
+          <a:ext cx="2277056" cy="2362466"/>
         </a:xfrm>
         <a:prstGeom prst="roundRect">
           <a:avLst>
@@ -1865,8 +1827,8 @@
         </a:p>
       </dsp:txBody>
       <dsp:txXfrm>
-        <a:off x="6104478" y="66693"/>
-        <a:ext cx="2143670" cy="2261758"/>
+        <a:off x="6104478" y="99370"/>
+        <a:ext cx="2143670" cy="2229080"/>
       </dsp:txXfrm>
     </dsp:sp>
     <dsp:sp modelId="{B1939471-B786-49A9-AA36-327384343C89}">
@@ -1875,9 +1837,9 @@
         <dsp:cNvSpPr/>
       </dsp:nvSpPr>
       <dsp:spPr>
-        <a:xfrm>
-          <a:off x="8497962" y="970150"/>
-          <a:ext cx="388214" cy="454842"/>
+        <a:xfrm rot="21581337">
+          <a:off x="8497959" y="978260"/>
+          <a:ext cx="388220" cy="454842"/>
         </a:xfrm>
         <a:prstGeom prst="rightArrow">
           <a:avLst>
@@ -1929,8 +1891,8 @@
         </a:p>
       </dsp:txBody>
       <dsp:txXfrm>
-        <a:off x="8497962" y="1061118"/>
-        <a:ext cx="271750" cy="272906"/>
+        <a:off x="8497960" y="1069544"/>
+        <a:ext cx="271754" cy="272906"/>
       </dsp:txXfrm>
     </dsp:sp>
     <dsp:sp modelId="{DA2F4FB9-FF73-488C-8AC3-DF3E8A8FB749}">
@@ -1940,8 +1902,8 @@
       </dsp:nvSpPr>
       <dsp:spPr>
         <a:xfrm>
-          <a:off x="9047322" y="0"/>
-          <a:ext cx="2277056" cy="2395144"/>
+          <a:off x="9047322" y="16338"/>
+          <a:ext cx="2277056" cy="2362466"/>
         </a:xfrm>
         <a:prstGeom prst="roundRect">
           <a:avLst>
@@ -2014,8 +1976,8 @@
         </a:p>
       </dsp:txBody>
       <dsp:txXfrm>
-        <a:off x="9114015" y="66693"/>
-        <a:ext cx="2143670" cy="2261758"/>
+        <a:off x="9114015" y="83031"/>
+        <a:ext cx="2143670" cy="2229080"/>
       </dsp:txXfrm>
     </dsp:sp>
     <dsp:sp modelId="{F7CFA9F0-DCC7-4DAB-BF6F-F97BE184AC0B}">
@@ -2089,8 +2051,8 @@
       </dsp:nvSpPr>
       <dsp:spPr>
         <a:xfrm>
-          <a:off x="12057996" y="0"/>
-          <a:ext cx="2277056" cy="2395144"/>
+          <a:off x="12057996" y="16338"/>
+          <a:ext cx="2277056" cy="2362466"/>
         </a:xfrm>
         <a:prstGeom prst="roundRect">
           <a:avLst>
@@ -2173,8 +2135,8 @@
         </a:p>
       </dsp:txBody>
       <dsp:txXfrm>
-        <a:off x="12124689" y="66693"/>
-        <a:ext cx="2143670" cy="2261758"/>
+        <a:off x="12124689" y="83031"/>
+        <a:ext cx="2143670" cy="2229080"/>
       </dsp:txXfrm>
     </dsp:sp>
   </dsp:spTree>
@@ -3455,7 +3417,7 @@
           <a:p>
             <a:fld id="{70F0E767-06F5-1743-8250-09BED16D1E0E}" type="datetimeFigureOut">
               <a:rPr lang="en-US" smtClean="0"/>
-              <a:t>5/9/2024</a:t>
+              <a:t>5/14/2024</a:t>
             </a:fld>
             <a:endParaRPr lang="en-US"/>
           </a:p>
@@ -3632,7 +3594,7 @@
           <a:p>
             <a:fld id="{01FC99CA-AF55-2547-B865-ACD414BD3D5B}" type="datetimeFigureOut">
               <a:rPr lang="en-US" smtClean="0"/>
-              <a:t>5/9/2024</a:t>
+              <a:t>5/14/2024</a:t>
             </a:fld>
             <a:endParaRPr lang="en-US"/>
           </a:p>
@@ -4114,7 +4076,7 @@
           <a:p>
             <a:fld id="{0D95E40B-6DE2-BC44-9D41-DAE6D07500F7}" type="datetimeFigureOut">
               <a:rPr lang="en-US" smtClean="0"/>
-              <a:t>5/9/2024</a:t>
+              <a:t>5/14/2024</a:t>
             </a:fld>
             <a:endParaRPr lang="en-US"/>
           </a:p>
@@ -4284,7 +4246,7 @@
           <a:p>
             <a:fld id="{0D95E40B-6DE2-BC44-9D41-DAE6D07500F7}" type="datetimeFigureOut">
               <a:rPr lang="en-US" smtClean="0"/>
-              <a:t>5/9/2024</a:t>
+              <a:t>5/14/2024</a:t>
             </a:fld>
             <a:endParaRPr lang="en-US"/>
           </a:p>
@@ -4464,7 +4426,7 @@
           <a:p>
             <a:fld id="{0D95E40B-6DE2-BC44-9D41-DAE6D07500F7}" type="datetimeFigureOut">
               <a:rPr lang="en-US" smtClean="0"/>
-              <a:t>5/9/2024</a:t>
+              <a:t>5/14/2024</a:t>
             </a:fld>
             <a:endParaRPr lang="en-US"/>
           </a:p>
@@ -4634,7 +4596,7 @@
           <a:p>
             <a:fld id="{0D95E40B-6DE2-BC44-9D41-DAE6D07500F7}" type="datetimeFigureOut">
               <a:rPr lang="en-US" smtClean="0"/>
-              <a:t>5/9/2024</a:t>
+              <a:t>5/14/2024</a:t>
             </a:fld>
             <a:endParaRPr lang="en-US"/>
           </a:p>
@@ -4878,7 +4840,7 @@
           <a:p>
             <a:fld id="{0D95E40B-6DE2-BC44-9D41-DAE6D07500F7}" type="datetimeFigureOut">
               <a:rPr lang="en-US" smtClean="0"/>
-              <a:t>5/9/2024</a:t>
+              <a:t>5/14/2024</a:t>
             </a:fld>
             <a:endParaRPr lang="en-US"/>
           </a:p>
@@ -5110,7 +5072,7 @@
           <a:p>
             <a:fld id="{0D95E40B-6DE2-BC44-9D41-DAE6D07500F7}" type="datetimeFigureOut">
               <a:rPr lang="en-US" smtClean="0"/>
-              <a:t>5/9/2024</a:t>
+              <a:t>5/14/2024</a:t>
             </a:fld>
             <a:endParaRPr lang="en-US"/>
           </a:p>
@@ -5477,7 +5439,7 @@
           <a:p>
             <a:fld id="{0D95E40B-6DE2-BC44-9D41-DAE6D07500F7}" type="datetimeFigureOut">
               <a:rPr lang="en-US" smtClean="0"/>
-              <a:t>5/9/2024</a:t>
+              <a:t>5/14/2024</a:t>
             </a:fld>
             <a:endParaRPr lang="en-US"/>
           </a:p>
@@ -5595,7 +5557,7 @@
           <a:p>
             <a:fld id="{0D95E40B-6DE2-BC44-9D41-DAE6D07500F7}" type="datetimeFigureOut">
               <a:rPr lang="en-US" smtClean="0"/>
-              <a:t>5/9/2024</a:t>
+              <a:t>5/14/2024</a:t>
             </a:fld>
             <a:endParaRPr lang="en-US"/>
           </a:p>
@@ -5690,7 +5652,7 @@
           <a:p>
             <a:fld id="{0D95E40B-6DE2-BC44-9D41-DAE6D07500F7}" type="datetimeFigureOut">
               <a:rPr lang="en-US" smtClean="0"/>
-              <a:t>5/9/2024</a:t>
+              <a:t>5/14/2024</a:t>
             </a:fld>
             <a:endParaRPr lang="en-US"/>
           </a:p>
@@ -5967,7 +5929,7 @@
           <a:p>
             <a:fld id="{0D95E40B-6DE2-BC44-9D41-DAE6D07500F7}" type="datetimeFigureOut">
               <a:rPr lang="en-US" smtClean="0"/>
-              <a:t>5/9/2024</a:t>
+              <a:t>5/14/2024</a:t>
             </a:fld>
             <a:endParaRPr lang="en-US"/>
           </a:p>
@@ -6224,7 +6186,7 @@
           <a:p>
             <a:fld id="{0D95E40B-6DE2-BC44-9D41-DAE6D07500F7}" type="datetimeFigureOut">
               <a:rPr lang="en-US" smtClean="0"/>
-              <a:t>5/9/2024</a:t>
+              <a:t>5/14/2024</a:t>
             </a:fld>
             <a:endParaRPr lang="en-US"/>
           </a:p>
@@ -6437,7 +6399,7 @@
           <a:p>
             <a:fld id="{0D95E40B-6DE2-BC44-9D41-DAE6D07500F7}" type="datetimeFigureOut">
               <a:rPr lang="en-US" smtClean="0"/>
-              <a:t>5/9/2024</a:t>
+              <a:t>5/14/2024</a:t>
             </a:fld>
             <a:endParaRPr lang="en-US"/>
           </a:p>
@@ -7050,7 +7012,7 @@
           <p:nvPr>
             <p:extLst>
               <p:ext uri="{D42A27DB-BD31-4B8C-83A1-F6EECF244321}">
-                <p14:modId xmlns:p14="http://schemas.microsoft.com/office/powerpoint/2010/main" val="1910915659"/>
+                <p14:modId xmlns:p14="http://schemas.microsoft.com/office/powerpoint/2010/main" val="4293633971"/>
               </p:ext>
             </p:extLst>
           </p:nvPr>
@@ -7170,7 +7132,7 @@
                           <a:ea typeface="Lato" panose="020F0502020204030203" pitchFamily="34" charset="0"/>
                           <a:cs typeface="Lato" panose="020F0502020204030203" pitchFamily="34" charset="0"/>
                         </a:rPr>
-                        <a:t>Sea surface debris in the coastal waters of Malta presents a significant environmental challenge, endangering marine life, disrupting ecological balance, and compromising the integrity of coastal ecosystems. This problem is exacerbated by the lack of an effective system tailored to predict the movement of surface debris specifically for Malta. Addressing this gap, this project introduces a system that combines Machine Learning with a physics-based model to provide accurate predictions that can guide effective cleanup operations and inform long-term marine conservation strategies around Malta.</a:t>
+                        <a:t>Sea surface debris in the coastal waters of Malta presents a significant environmental challenge, endangering marine life, disrupting ecological balance, and compromising the integrity of coastal ecosystems. This problem is exacerbated by the lack of an effective system tailored to predict the movement of surface debris specifically for Malta. Addressing this gap, this project introduces a system that combines machine learning with a physics-based model to provide accurate predictions that can guide effective cleanup operations and inform long-term marine conservation strategies around Malta.</a:t>
                       </a:r>
                     </a:p>
                   </a:txBody>
@@ -7240,13 +7202,13 @@
           <p:nvPr>
             <p:extLst>
               <p:ext uri="{D42A27DB-BD31-4B8C-83A1-F6EECF244321}">
-                <p14:modId xmlns:p14="http://schemas.microsoft.com/office/powerpoint/2010/main" val="3818291371"/>
+                <p14:modId xmlns:p14="http://schemas.microsoft.com/office/powerpoint/2010/main" val="3364464291"/>
               </p:ext>
             </p:extLst>
           </p:nvPr>
         </p:nvGraphicFramePr>
         <p:xfrm>
-          <a:off x="570316" y="13554117"/>
+          <a:off x="506008" y="13326968"/>
           <a:ext cx="14043025" cy="3128053"/>
         </p:xfrm>
         <a:graphic>
@@ -7360,7 +7322,23 @@
                           <a:ea typeface="Lato" panose="020F0502020204030203" pitchFamily="34" charset="0"/>
                           <a:cs typeface="Lato" panose="020F0502020204030203" pitchFamily="34" charset="0"/>
                         </a:rPr>
-                        <a:t>The analysis included two key areas: error metrics evaluation and geospatial analysis, both of which confirmed the effectiveness and practical applicability of the models. Through the error metrics evaluation, it was determined that the LSTM model outperforms the GRU model in predicting sea surface current velocities, providing more consistent and reliable predictions. The geospatial analysis further corroborated these findings, showing that LSTM generally maintained more consistent performance metrics, such as spread and skewness, when compared to GRU.  Contrary to the initial hypothesis, the analysis did not conclusively prove that proximity to the coast and reduced data availability significantly degraded model performance. Even though coastal data points generally showed less accuracy, this was not universally the case, suggesting that other factors, such as the models’ capacity to handle sparse data and noise, play a critical role in prediction outcomes. These findings validate the effectiveness of the integrated approach by providing accurate predictions and simulations. This underscores the project's potential to bolster marine conservation efforts and tackle surface debris issues in Malta.</a:t>
+                        <a:t>The analysis included two key areas: error metrics evaluation and geospatial analysis, both of which confirmed the effectiveness and practical applicability of the models. </a:t>
+                      </a:r>
+                      <a:r>
+                        <a:rPr lang="en-GB" sz="1600" dirty="0">
+                          <a:latin typeface="Lato" panose="020F0502020204030203" pitchFamily="34" charset="0"/>
+                          <a:ea typeface="Lato" panose="020F0502020204030203" pitchFamily="34" charset="0"/>
+                          <a:cs typeface="Lato" panose="020F0502020204030203" pitchFamily="34" charset="0"/>
+                        </a:rPr>
+                        <a:t>Through a comparative evaluation, it was determined that the LSTM model outperforms the GRU model in predicting sea surface current velocities. This is evidenced by better results in error metrics such as MAE, MSE, and RMSE, providing more consistent and reliable predictions.</a:t>
+                      </a:r>
+                      <a:r>
+                        <a:rPr lang="en-US" sz="1600" dirty="0">
+                          <a:latin typeface="Lato" panose="020F0502020204030203" pitchFamily="34" charset="0"/>
+                          <a:ea typeface="Lato" panose="020F0502020204030203" pitchFamily="34" charset="0"/>
+                          <a:cs typeface="Lato" panose="020F0502020204030203" pitchFamily="34" charset="0"/>
+                        </a:rPr>
+                        <a:t>The geospatial analysis further corroborated these findings, showing that LSTM generally maintained more consistent performance metrics, such as spread and skewness, when compared to GRU.  Contrary to the initial hypothesis, the analysis did not conclusively prove that proximity to the coast and reduced data availability significantly degraded model performance. Even though coastal data points generally showed less accuracy, this was not universally the case, suggesting that other factors, such as the models’ capacity to handle sparse data and noise, play a critical role in prediction outcomes. These findings validate the effectiveness of the integrated approach by providing accurate predictions and simulations. This underscores the project's potential to improve marine conservation efforts and tackle surface debris issues in Malta.</a:t>
                       </a:r>
                       <a:endParaRPr lang="en-US" sz="1400" dirty="0">
                         <a:latin typeface="Lato" panose="020F0502020204030203" pitchFamily="34" charset="0"/>
@@ -7435,13 +7413,13 @@
           <p:nvPr>
             <p:extLst>
               <p:ext uri="{D42A27DB-BD31-4B8C-83A1-F6EECF244321}">
-                <p14:modId xmlns:p14="http://schemas.microsoft.com/office/powerpoint/2010/main" val="961287552"/>
+                <p14:modId xmlns:p14="http://schemas.microsoft.com/office/powerpoint/2010/main" val="894854814"/>
               </p:ext>
             </p:extLst>
           </p:nvPr>
         </p:nvGraphicFramePr>
         <p:xfrm>
-          <a:off x="554239" y="10319028"/>
+          <a:off x="504825" y="10177145"/>
           <a:ext cx="14010871" cy="540000"/>
         </p:xfrm>
         <a:graphic>
@@ -7545,7 +7523,7 @@
           <p:nvPr>
             <p:extLst>
               <p:ext uri="{D42A27DB-BD31-4B8C-83A1-F6EECF244321}">
-                <p14:modId xmlns:p14="http://schemas.microsoft.com/office/powerpoint/2010/main" val="269220190"/>
+                <p14:modId xmlns:p14="http://schemas.microsoft.com/office/powerpoint/2010/main" val="4030241019"/>
               </p:ext>
             </p:extLst>
           </p:nvPr>
@@ -7665,7 +7643,7 @@
                           <a:ea typeface="Lato" panose="020F0502020204030203" pitchFamily="34" charset="0"/>
                           <a:cs typeface="Lato" panose="020F0502020204030203" pitchFamily="34" charset="0"/>
                         </a:rPr>
-                        <a:t>In this FYP, we successfully developed and integrated AI models with a physics-based Lagrangian framework to predict and visualize the movement of sea surface debris around Malta's coastal waters over a 24-hour period. Moving forward, this project lays a solid foundation for future enhancements aimed at expanding the system’s capabilities and applications. A possible improvement is to integrate additional environmental factors such as wind and wave height to improve predictions. Additionally, the model’s applicability could be expanded to cover other scenarios, including jellyfish and plankton movements, search and rescue operations, and oil spill simulations. Further improvements in predictive accuracy could be achieved by adopting ensemble learning and advanced models like transformers. Increasing the geographical scope would allow for a more comprehensive analysis of marine debris dynamics and enable the validation of the Lagrangian model with historical drifter data. Finally, the development of a dedicated website to display enhanced visualizations could make the research outcomes more accessible and practical for ongoing marine conservation initiatives.</a:t>
+                        <a:t>In this FYP, we successfully developed and integrated AI models with a physics-based Lagrangian framework to predict and visualize the movement of sea surface debris around Malta's coastal waters over a 24-hour period. Moving forward, this project lays a solid foundation for future enhancements aimed at expanding the system’s capabilities and applications. A possible improvement is to integrate additional environmental factors such as wind and wave height to improve predictions. Additionally, the model’s applicability could be expanded to cover other scenarios, including jellyfish and plankton movements, search and rescue operations, and oil spill simulations. Further improvements in predictive accuracy could be achieved by adopting ensemble learning and advanced models like transformers. Increasing the geographical area of interest would allow for a more comprehensive analysis of marine debris dynamics and enable the validation of the Lagrangian model with historical drifter data. Finally, the development of a dedicated website to display enhanced visualizations could make the research outcomes more accessible and practical for ongoing marine conservation initiatives.</a:t>
                       </a:r>
                     </a:p>
                   </a:txBody>
@@ -7735,13 +7713,13 @@
           <p:nvPr>
             <p:extLst>
               <p:ext uri="{D42A27DB-BD31-4B8C-83A1-F6EECF244321}">
-                <p14:modId xmlns:p14="http://schemas.microsoft.com/office/powerpoint/2010/main" val="1849017670"/>
+                <p14:modId xmlns:p14="http://schemas.microsoft.com/office/powerpoint/2010/main" val="2607632644"/>
               </p:ext>
             </p:extLst>
           </p:nvPr>
         </p:nvGraphicFramePr>
         <p:xfrm>
-          <a:off x="570316" y="6565668"/>
+          <a:off x="570316" y="6407022"/>
           <a:ext cx="6736947" cy="4023360"/>
         </p:xfrm>
         <a:graphic>
@@ -7855,7 +7833,23 @@
                           <a:ea typeface="Lato" panose="020F0502020204030203" pitchFamily="34" charset="0"/>
                           <a:cs typeface="Lato" panose="020F0502020204030203" pitchFamily="34" charset="0"/>
                         </a:rPr>
-                        <a:t>The aim of this project is to create a system that simulates and predicts the movement of sea surface debris around the coastal waters of Malta, thereby supporting marine conservation efforts. To achieve this, the project employs a pipeline that utilizes historical data to predict the next 24 hours of sea surface current velocities. These predictions are then used as inputs for a Lagrangian model, enabling it to simulate the movement of surface marine debris. Finally, a comparative evaluation of both LSTM and GRU models is conducted, focusing on their predictive accuracy and the quality of the visualizations to determine the best model. This approach seeks to offer valuable insights for marine conservation and enhance decision-making processes for managing marine debris around the Maltese Islands.</a:t>
+                        <a:t>The aim of this project is to create a system that simulates and predicts the movement of sea surface debris around the coastal waters of Malta, thereby supporting marine conservation efforts. </a:t>
+                      </a:r>
+                      <a:r>
+                        <a:rPr lang="en-GB" sz="1600" dirty="0">
+                          <a:latin typeface="Lato" panose="020F0502020204030203" pitchFamily="34" charset="0"/>
+                          <a:ea typeface="Lato" panose="020F0502020204030203" pitchFamily="34" charset="0"/>
+                          <a:cs typeface="Lato" panose="020F0502020204030203" pitchFamily="34" charset="0"/>
+                        </a:rPr>
+                        <a:t>To achieve this, a pipeline was created that leverages historical data to predict the next 24 hours of sea surface current velocities.</a:t>
+                      </a:r>
+                      <a:r>
+                        <a:rPr lang="en-US" sz="1600" dirty="0">
+                          <a:latin typeface="Lato" panose="020F0502020204030203" pitchFamily="34" charset="0"/>
+                          <a:ea typeface="Lato" panose="020F0502020204030203" pitchFamily="34" charset="0"/>
+                          <a:cs typeface="Lato" panose="020F0502020204030203" pitchFamily="34" charset="0"/>
+                        </a:rPr>
+                        <a:t>. These predictions are then used as inputs for a Lagrangian model, enabling it to simulate the movement of surface marine debris. Finally, a comparative evaluation of both LSTM and GRU models is conducted, focusing on their predictive accuracy and the quality of the visualizations to determine the best model. This approach seeks to offer valuable insights for marine conservation and enhance decision-making processes for managing marine debris around the Maltese Islands.</a:t>
                       </a:r>
                     </a:p>
                     <a:p>
@@ -8081,13 +8075,13 @@
           <p:nvPr>
             <p:extLst>
               <p:ext uri="{D42A27DB-BD31-4B8C-83A1-F6EECF244321}">
-                <p14:modId xmlns:p14="http://schemas.microsoft.com/office/powerpoint/2010/main" val="1512753515"/>
+                <p14:modId xmlns:p14="http://schemas.microsoft.com/office/powerpoint/2010/main" val="435182907"/>
               </p:ext>
             </p:extLst>
           </p:nvPr>
         </p:nvGraphicFramePr>
         <p:xfrm>
-          <a:off x="416651" y="11037082"/>
+          <a:off x="416651" y="10834306"/>
           <a:ext cx="14350354" cy="2395144"/>
         </p:xfrm>
         <a:graphic>
@@ -8304,8 +8298,8 @@
         </p:nvSpPr>
         <p:spPr>
           <a:xfrm>
-            <a:off x="7741920" y="4195650"/>
-            <a:ext cx="6949440" cy="6441322"/>
+            <a:off x="7741920" y="4195649"/>
+            <a:ext cx="6949440" cy="6290217"/>
           </a:xfrm>
           <a:prstGeom prst="rect">
             <a:avLst/>

--- a/poster.pptx
+++ b/poster.pptx
@@ -8286,96 +8286,198 @@
       </p:graphicFrame>
       <p:sp>
         <p:nvSpPr>
-          <p:cNvPr id="6" name="Rectangle 5">
+          <p:cNvPr id="18" name="TextBox 17">
             <a:extLst>
               <a:ext uri="{FF2B5EF4-FFF2-40B4-BE49-F238E27FC236}">
-                <a16:creationId xmlns:a16="http://schemas.microsoft.com/office/drawing/2014/main" id="{0C4CFA7B-1BC4-C6F4-5D38-D4F5C0B1ADBC}"/>
+                <a16:creationId xmlns:a16="http://schemas.microsoft.com/office/drawing/2014/main" id="{78F78507-0A7F-C570-B9DC-76E7E55FFDA7}"/>
               </a:ext>
             </a:extLst>
           </p:cNvPr>
-          <p:cNvSpPr/>
+          <p:cNvSpPr txBox="1"/>
           <p:nvPr/>
         </p:nvSpPr>
         <p:spPr>
           <a:xfrm>
-            <a:off x="7741920" y="4195649"/>
-            <a:ext cx="6949440" cy="6290217"/>
+            <a:off x="8231260" y="10161187"/>
+            <a:ext cx="6413745" cy="338554"/>
+          </a:xfrm>
+          <a:prstGeom prst="rect">
+            <a:avLst/>
+          </a:prstGeom>
+          <a:noFill/>
+        </p:spPr>
+        <p:txBody>
+          <a:bodyPr wrap="square" rtlCol="0">
+            <a:spAutoFit/>
+          </a:bodyPr>
+          <a:lstStyle/>
+          <a:p>
+            <a:pPr algn="ctr"/>
+            <a:r>
+              <a:rPr lang="en-US" sz="1600" dirty="0">
+                <a:latin typeface="Lato" panose="020F0502020204030203" pitchFamily="34" charset="0"/>
+                <a:ea typeface="Lato" panose="020F0502020204030203" pitchFamily="34" charset="0"/>
+                <a:cs typeface="Lato" panose="020F0502020204030203" pitchFamily="34" charset="0"/>
+              </a:rPr>
+              <a:t>Figure 1 – Overview of entire pipeline</a:t>
+            </a:r>
+            <a:endParaRPr lang="en-GB" sz="1600" dirty="0">
+              <a:latin typeface="Lato" panose="020F0502020204030203" pitchFamily="34" charset="0"/>
+              <a:ea typeface="Lato" panose="020F0502020204030203" pitchFamily="34" charset="0"/>
+              <a:cs typeface="Lato" panose="020F0502020204030203" pitchFamily="34" charset="0"/>
+            </a:endParaRPr>
+          </a:p>
+        </p:txBody>
+      </p:sp>
+      <p:graphicFrame>
+        <p:nvGraphicFramePr>
+          <p:cNvPr id="20" name="Object 19">
+            <a:extLst>
+              <a:ext uri="{FF2B5EF4-FFF2-40B4-BE49-F238E27FC236}">
+                <a16:creationId xmlns:a16="http://schemas.microsoft.com/office/drawing/2014/main" id="{14D5D0A2-7F9D-94CF-600C-A5A32BE64282}"/>
+              </a:ext>
+            </a:extLst>
+          </p:cNvPr>
+          <p:cNvGraphicFramePr>
+            <a:graphicFrameLocks noChangeAspect="1"/>
+          </p:cNvGraphicFramePr>
+          <p:nvPr>
+            <p:extLst>
+              <p:ext uri="{D42A27DB-BD31-4B8C-83A1-F6EECF244321}">
+                <p14:modId xmlns:p14="http://schemas.microsoft.com/office/powerpoint/2010/main" val="3535646968"/>
+              </p:ext>
+            </p:extLst>
+          </p:nvPr>
+        </p:nvGraphicFramePr>
+        <p:xfrm>
+          <a:off x="7393756" y="16922187"/>
+          <a:ext cx="7220769" cy="3420319"/>
+        </p:xfrm>
+        <a:graphic>
+          <a:graphicData uri="http://schemas.openxmlformats.org/presentationml/2006/ole">
+            <mc:AlternateContent xmlns:mc="http://schemas.openxmlformats.org/markup-compatibility/2006">
+              <mc:Choice xmlns:v="urn:schemas-microsoft-com:vml" Requires="v">
+                <p:oleObj name="Acrobat Document" r:id="rId9" imgW="5349240" imgH="2361895" progId="Acrobat.Document.DC">
+                  <p:embed/>
+                </p:oleObj>
+              </mc:Choice>
+              <mc:Fallback>
+                <p:oleObj name="Acrobat Document" r:id="rId9" imgW="5349240" imgH="2361895" progId="Acrobat.Document.DC">
+                  <p:embed/>
+                  <p:pic>
+                    <p:nvPicPr>
+                      <p:cNvPr id="0" name=""/>
+                      <p:cNvPicPr/>
+                      <p:nvPr/>
+                    </p:nvPicPr>
+                    <p:blipFill>
+                      <a:blip r:embed="rId10"/>
+                      <a:stretch>
+                        <a:fillRect/>
+                      </a:stretch>
+                    </p:blipFill>
+                    <p:spPr>
+                      <a:xfrm>
+                        <a:off x="7393756" y="16922187"/>
+                        <a:ext cx="7220769" cy="3420319"/>
+                      </a:xfrm>
+                      <a:prstGeom prst="rect">
+                        <a:avLst/>
+                      </a:prstGeom>
+                    </p:spPr>
+                  </p:pic>
+                </p:oleObj>
+              </mc:Fallback>
+            </mc:AlternateContent>
+          </a:graphicData>
+        </a:graphic>
+      </p:graphicFrame>
+      <p:sp>
+        <p:nvSpPr>
+          <p:cNvPr id="22" name="TextBox 21">
+            <a:extLst>
+              <a:ext uri="{FF2B5EF4-FFF2-40B4-BE49-F238E27FC236}">
+                <a16:creationId xmlns:a16="http://schemas.microsoft.com/office/drawing/2014/main" id="{7E4DF826-CB72-7D3A-3457-77C91D8DF8C5}"/>
+              </a:ext>
+            </a:extLst>
+          </p:cNvPr>
+          <p:cNvSpPr txBox="1"/>
+          <p:nvPr/>
+        </p:nvSpPr>
+        <p:spPr>
+          <a:xfrm>
+            <a:off x="8063935" y="20435212"/>
+            <a:ext cx="6413745" cy="584775"/>
+          </a:xfrm>
+          <a:prstGeom prst="rect">
+            <a:avLst/>
+          </a:prstGeom>
+          <a:noFill/>
+        </p:spPr>
+        <p:txBody>
+          <a:bodyPr wrap="square" rtlCol="0">
+            <a:spAutoFit/>
+          </a:bodyPr>
+          <a:lstStyle/>
+          <a:p>
+            <a:pPr algn="ctr"/>
+            <a:r>
+              <a:rPr lang="en-US" sz="1600" dirty="0">
+                <a:latin typeface="Lato" panose="020F0502020204030203" pitchFamily="34" charset="0"/>
+                <a:ea typeface="Lato" panose="020F0502020204030203" pitchFamily="34" charset="0"/>
+                <a:cs typeface="Lato" panose="020F0502020204030203" pitchFamily="34" charset="0"/>
+              </a:rPr>
+              <a:t>Figure 2 –  LSTM and GRU initial vs final debris movement </a:t>
+            </a:r>
+          </a:p>
+          <a:p>
+            <a:pPr algn="ctr"/>
+            <a:r>
+              <a:rPr lang="en-US" sz="1600" dirty="0">
+                <a:latin typeface="Lato" panose="020F0502020204030203" pitchFamily="34" charset="0"/>
+                <a:ea typeface="Lato" panose="020F0502020204030203" pitchFamily="34" charset="0"/>
+                <a:cs typeface="Lato" panose="020F0502020204030203" pitchFamily="34" charset="0"/>
+              </a:rPr>
+              <a:t>(4th August 2023).</a:t>
+            </a:r>
+            <a:endParaRPr lang="en-GB" sz="1600" dirty="0">
+              <a:latin typeface="Lato" panose="020F0502020204030203" pitchFamily="34" charset="0"/>
+              <a:ea typeface="Lato" panose="020F0502020204030203" pitchFamily="34" charset="0"/>
+              <a:cs typeface="Lato" panose="020F0502020204030203" pitchFamily="34" charset="0"/>
+            </a:endParaRPr>
+          </a:p>
+        </p:txBody>
+      </p:sp>
+      <p:pic>
+        <p:nvPicPr>
+          <p:cNvPr id="8" name="Picture 7" descr="A diagram of a model training&#10;&#10;Description automatically generated">
+            <a:extLst>
+              <a:ext uri="{FF2B5EF4-FFF2-40B4-BE49-F238E27FC236}">
+                <a16:creationId xmlns:a16="http://schemas.microsoft.com/office/drawing/2014/main" id="{28E2C0CD-1CB2-2575-C6A0-C225232979C0}"/>
+              </a:ext>
+            </a:extLst>
+          </p:cNvPr>
+          <p:cNvPicPr>
+            <a:picLocks noChangeAspect="1"/>
+          </p:cNvPicPr>
+          <p:nvPr/>
+        </p:nvPicPr>
+        <p:blipFill>
+          <a:blip r:embed="rId11"/>
+          <a:stretch>
+            <a:fillRect/>
+          </a:stretch>
+        </p:blipFill>
+        <p:spPr>
+          <a:xfrm>
+            <a:off x="7616511" y="4110827"/>
+            <a:ext cx="6947762" cy="5968800"/>
           </a:xfrm>
           <a:prstGeom prst="rect">
             <a:avLst/>
           </a:prstGeom>
         </p:spPr>
-        <p:style>
-          <a:lnRef idx="2">
-            <a:schemeClr val="accent1">
-              <a:shade val="15000"/>
-            </a:schemeClr>
-          </a:lnRef>
-          <a:fillRef idx="1">
-            <a:schemeClr val="accent1"/>
-          </a:fillRef>
-          <a:effectRef idx="0">
-            <a:schemeClr val="accent1"/>
-          </a:effectRef>
-          <a:fontRef idx="minor">
-            <a:schemeClr val="lt1"/>
-          </a:fontRef>
-        </p:style>
-        <p:txBody>
-          <a:bodyPr rtlCol="0" anchor="ctr"/>
-          <a:lstStyle/>
-          <a:p>
-            <a:pPr algn="ctr"/>
-            <a:endParaRPr lang="en-GB"/>
-          </a:p>
-        </p:txBody>
-      </p:sp>
-      <p:sp>
-        <p:nvSpPr>
-          <p:cNvPr id="8" name="Rectangle 7">
-            <a:extLst>
-              <a:ext uri="{FF2B5EF4-FFF2-40B4-BE49-F238E27FC236}">
-                <a16:creationId xmlns:a16="http://schemas.microsoft.com/office/drawing/2014/main" id="{0092719A-71E0-B833-2A12-E1A667F8A8E1}"/>
-              </a:ext>
-            </a:extLst>
-          </p:cNvPr>
-          <p:cNvSpPr/>
-          <p:nvPr/>
-        </p:nvSpPr>
-        <p:spPr>
-          <a:xfrm>
-            <a:off x="7741920" y="16938404"/>
-            <a:ext cx="6949440" cy="4249186"/>
-          </a:xfrm>
-          <a:prstGeom prst="rect">
-            <a:avLst/>
-          </a:prstGeom>
-        </p:spPr>
-        <p:style>
-          <a:lnRef idx="2">
-            <a:schemeClr val="accent1">
-              <a:shade val="15000"/>
-            </a:schemeClr>
-          </a:lnRef>
-          <a:fillRef idx="1">
-            <a:schemeClr val="accent1"/>
-          </a:fillRef>
-          <a:effectRef idx="0">
-            <a:schemeClr val="accent1"/>
-          </a:effectRef>
-          <a:fontRef idx="minor">
-            <a:schemeClr val="lt1"/>
-          </a:fontRef>
-        </p:style>
-        <p:txBody>
-          <a:bodyPr rtlCol="0" anchor="ctr"/>
-          <a:lstStyle/>
-          <a:p>
-            <a:pPr algn="ctr"/>
-            <a:endParaRPr lang="en-GB"/>
-          </a:p>
-        </p:txBody>
-      </p:sp>
+      </p:pic>
     </p:spTree>
     <p:extLst>
       <p:ext uri="{BB962C8B-B14F-4D97-AF65-F5344CB8AC3E}">

--- a/poster.pptx
+++ b/poster.pptx
@@ -3417,7 +3417,7 @@
           <a:p>
             <a:fld id="{70F0E767-06F5-1743-8250-09BED16D1E0E}" type="datetimeFigureOut">
               <a:rPr lang="en-US" smtClean="0"/>
-              <a:t>5/14/2024</a:t>
+              <a:t>5/21/2024</a:t>
             </a:fld>
             <a:endParaRPr lang="en-US"/>
           </a:p>
@@ -3594,7 +3594,7 @@
           <a:p>
             <a:fld id="{01FC99CA-AF55-2547-B865-ACD414BD3D5B}" type="datetimeFigureOut">
               <a:rPr lang="en-US" smtClean="0"/>
-              <a:t>5/14/2024</a:t>
+              <a:t>5/21/2024</a:t>
             </a:fld>
             <a:endParaRPr lang="en-US"/>
           </a:p>
@@ -4076,7 +4076,7 @@
           <a:p>
             <a:fld id="{0D95E40B-6DE2-BC44-9D41-DAE6D07500F7}" type="datetimeFigureOut">
               <a:rPr lang="en-US" smtClean="0"/>
-              <a:t>5/14/2024</a:t>
+              <a:t>5/21/2024</a:t>
             </a:fld>
             <a:endParaRPr lang="en-US"/>
           </a:p>
@@ -4246,7 +4246,7 @@
           <a:p>
             <a:fld id="{0D95E40B-6DE2-BC44-9D41-DAE6D07500F7}" type="datetimeFigureOut">
               <a:rPr lang="en-US" smtClean="0"/>
-              <a:t>5/14/2024</a:t>
+              <a:t>5/21/2024</a:t>
             </a:fld>
             <a:endParaRPr lang="en-US"/>
           </a:p>
@@ -4426,7 +4426,7 @@
           <a:p>
             <a:fld id="{0D95E40B-6DE2-BC44-9D41-DAE6D07500F7}" type="datetimeFigureOut">
               <a:rPr lang="en-US" smtClean="0"/>
-              <a:t>5/14/2024</a:t>
+              <a:t>5/21/2024</a:t>
             </a:fld>
             <a:endParaRPr lang="en-US"/>
           </a:p>
@@ -4596,7 +4596,7 @@
           <a:p>
             <a:fld id="{0D95E40B-6DE2-BC44-9D41-DAE6D07500F7}" type="datetimeFigureOut">
               <a:rPr lang="en-US" smtClean="0"/>
-              <a:t>5/14/2024</a:t>
+              <a:t>5/21/2024</a:t>
             </a:fld>
             <a:endParaRPr lang="en-US"/>
           </a:p>
@@ -4840,7 +4840,7 @@
           <a:p>
             <a:fld id="{0D95E40B-6DE2-BC44-9D41-DAE6D07500F7}" type="datetimeFigureOut">
               <a:rPr lang="en-US" smtClean="0"/>
-              <a:t>5/14/2024</a:t>
+              <a:t>5/21/2024</a:t>
             </a:fld>
             <a:endParaRPr lang="en-US"/>
           </a:p>
@@ -5072,7 +5072,7 @@
           <a:p>
             <a:fld id="{0D95E40B-6DE2-BC44-9D41-DAE6D07500F7}" type="datetimeFigureOut">
               <a:rPr lang="en-US" smtClean="0"/>
-              <a:t>5/14/2024</a:t>
+              <a:t>5/21/2024</a:t>
             </a:fld>
             <a:endParaRPr lang="en-US"/>
           </a:p>
@@ -5439,7 +5439,7 @@
           <a:p>
             <a:fld id="{0D95E40B-6DE2-BC44-9D41-DAE6D07500F7}" type="datetimeFigureOut">
               <a:rPr lang="en-US" smtClean="0"/>
-              <a:t>5/14/2024</a:t>
+              <a:t>5/21/2024</a:t>
             </a:fld>
             <a:endParaRPr lang="en-US"/>
           </a:p>
@@ -5557,7 +5557,7 @@
           <a:p>
             <a:fld id="{0D95E40B-6DE2-BC44-9D41-DAE6D07500F7}" type="datetimeFigureOut">
               <a:rPr lang="en-US" smtClean="0"/>
-              <a:t>5/14/2024</a:t>
+              <a:t>5/21/2024</a:t>
             </a:fld>
             <a:endParaRPr lang="en-US"/>
           </a:p>
@@ -5652,7 +5652,7 @@
           <a:p>
             <a:fld id="{0D95E40B-6DE2-BC44-9D41-DAE6D07500F7}" type="datetimeFigureOut">
               <a:rPr lang="en-US" smtClean="0"/>
-              <a:t>5/14/2024</a:t>
+              <a:t>5/21/2024</a:t>
             </a:fld>
             <a:endParaRPr lang="en-US"/>
           </a:p>
@@ -5929,7 +5929,7 @@
           <a:p>
             <a:fld id="{0D95E40B-6DE2-BC44-9D41-DAE6D07500F7}" type="datetimeFigureOut">
               <a:rPr lang="en-US" smtClean="0"/>
-              <a:t>5/14/2024</a:t>
+              <a:t>5/21/2024</a:t>
             </a:fld>
             <a:endParaRPr lang="en-US"/>
           </a:p>
@@ -6186,7 +6186,7 @@
           <a:p>
             <a:fld id="{0D95E40B-6DE2-BC44-9D41-DAE6D07500F7}" type="datetimeFigureOut">
               <a:rPr lang="en-US" smtClean="0"/>
-              <a:t>5/14/2024</a:t>
+              <a:t>5/21/2024</a:t>
             </a:fld>
             <a:endParaRPr lang="en-US"/>
           </a:p>
@@ -6399,7 +6399,7 @@
           <a:p>
             <a:fld id="{0D95E40B-6DE2-BC44-9D41-DAE6D07500F7}" type="datetimeFigureOut">
               <a:rPr lang="en-US" smtClean="0"/>
-              <a:t>5/14/2024</a:t>
+              <a:t>5/21/2024</a:t>
             </a:fld>
             <a:endParaRPr lang="en-US"/>
           </a:p>
@@ -7012,7 +7012,7 @@
           <p:nvPr>
             <p:extLst>
               <p:ext uri="{D42A27DB-BD31-4B8C-83A1-F6EECF244321}">
-                <p14:modId xmlns:p14="http://schemas.microsoft.com/office/powerpoint/2010/main" val="4293633971"/>
+                <p14:modId xmlns:p14="http://schemas.microsoft.com/office/powerpoint/2010/main" val="1126110495"/>
               </p:ext>
             </p:extLst>
           </p:nvPr>
@@ -7132,7 +7132,7 @@
                           <a:ea typeface="Lato" panose="020F0502020204030203" pitchFamily="34" charset="0"/>
                           <a:cs typeface="Lato" panose="020F0502020204030203" pitchFamily="34" charset="0"/>
                         </a:rPr>
-                        <a:t>Sea surface debris in the coastal waters of Malta presents a significant environmental challenge, endangering marine life, disrupting ecological balance, and compromising the integrity of coastal ecosystems. This problem is exacerbated by the lack of an effective system tailored to predict the movement of surface debris specifically for Malta. Addressing this gap, this project introduces a system that combines machine learning with a physics-based model to provide accurate predictions that can guide effective cleanup operations and inform long-term marine conservation strategies around Malta.</a:t>
+                        <a:t>Sea surface debris in the coastal waters of Malta presents a significant environmental challenge, endangering marine life, disrupting ecological balance, and compromising the integrity of coastal ecosystems. This problem is exacerbated by the lack of an effective system tailored to predict the movement of surface debris specifically for Malta. Addressing this gap, this project introduces a system that combines machine learning with a physics-based model to provide accurate predictions and simulations that can guide effective cleanup operations and inform long-term marine conservation strategies around Malta.</a:t>
                       </a:r>
                     </a:p>
                   </a:txBody>
@@ -7713,7 +7713,7 @@
           <p:nvPr>
             <p:extLst>
               <p:ext uri="{D42A27DB-BD31-4B8C-83A1-F6EECF244321}">
-                <p14:modId xmlns:p14="http://schemas.microsoft.com/office/powerpoint/2010/main" val="2607632644"/>
+                <p14:modId xmlns:p14="http://schemas.microsoft.com/office/powerpoint/2010/main" val="1045560063"/>
               </p:ext>
             </p:extLst>
           </p:nvPr>
@@ -7841,7 +7841,7 @@
                           <a:ea typeface="Lato" panose="020F0502020204030203" pitchFamily="34" charset="0"/>
                           <a:cs typeface="Lato" panose="020F0502020204030203" pitchFamily="34" charset="0"/>
                         </a:rPr>
-                        <a:t>To achieve this, a pipeline was created that leverages historical data to predict the next 24 hours of sea surface current velocities.</a:t>
+                        <a:t>To achieve this, a pipeline was created that leverages historical data to predict the next 24 hours of sea surface current velocities</a:t>
                       </a:r>
                       <a:r>
                         <a:rPr lang="en-US" sz="1600" dirty="0">
